--- a/Presentations/2025_Summit/2025_Oct_27_Summit_Steve_Intro.pptx
+++ b/Presentations/2025_Summit/2025_Oct_27_Summit_Steve_Intro.pptx
@@ -5,28 +5,29 @@
     <p:sldMasterId id="2147483648" r:id="rId4"/>
   </p:sldMasterIdLst>
   <p:notesMasterIdLst>
-    <p:notesMasterId r:id="rId11"/>
+    <p:notesMasterId r:id="rId12"/>
   </p:notesMasterIdLst>
   <p:handoutMasterIdLst>
-    <p:handoutMasterId r:id="rId12"/>
+    <p:handoutMasterId r:id="rId13"/>
   </p:handoutMasterIdLst>
   <p:sldIdLst>
     <p:sldId id="379" r:id="rId5"/>
     <p:sldId id="432" r:id="rId6"/>
     <p:sldId id="461" r:id="rId7"/>
-    <p:sldId id="462" r:id="rId8"/>
-    <p:sldId id="463" r:id="rId9"/>
-    <p:sldId id="348" r:id="rId10"/>
+    <p:sldId id="464" r:id="rId8"/>
+    <p:sldId id="465" r:id="rId9"/>
+    <p:sldId id="466" r:id="rId10"/>
+    <p:sldId id="348" r:id="rId11"/>
   </p:sldIdLst>
   <p:sldSz cx="18288000" cy="10287000"/>
   <p:notesSz cx="6858000" cy="9144000"/>
   <p:embeddedFontLst>
     <p:embeddedFont>
       <p:font typeface="Aptos SemiBold" panose="020B0004020202020204" pitchFamily="34" charset="0"/>
-      <p:regular r:id="rId13"/>
-      <p:bold r:id="rId14"/>
-      <p:italic r:id="rId15"/>
-      <p:boldItalic r:id="rId16"/>
+      <p:regular r:id="rId14"/>
+      <p:bold r:id="rId15"/>
+      <p:italic r:id="rId16"/>
+      <p:boldItalic r:id="rId17"/>
     </p:embeddedFont>
   </p:embeddedFontLst>
   <p:defaultTextStyle>
@@ -959,7 +960,7 @@
         <a:p>
           <a:r>
             <a:rPr lang="en-US" dirty="0"/>
-            <a:t>What we are planning.</a:t>
+            <a:t>What comes next.</a:t>
           </a:r>
         </a:p>
       </dgm:t>
@@ -1406,7 +1407,7 @@
           </a:pPr>
           <a:r>
             <a:rPr lang="en-US" sz="4800" kern="1200" dirty="0"/>
-            <a:t>What we are planning.</a:t>
+            <a:t>What comes next.</a:t>
           </a:r>
         </a:p>
       </dsp:txBody>
@@ -3247,7 +3248,7 @@
           <a:p>
             <a:fld id="{8028D1E4-4BBA-6F41-9D9B-7C498DFA1119}" type="datetimeFigureOut">
               <a:rPr lang="en-US" smtClean="0"/>
-              <a:t>10/19/2025</a:t>
+              <a:t>10/20/2025</a:t>
             </a:fld>
             <a:endParaRPr lang="en-US"/>
           </a:p>
@@ -3424,7 +3425,7 @@
           <a:p>
             <a:fld id="{761ABE01-8AD2-744F-9651-CCC9DC857332}" type="datetimeFigureOut">
               <a:rPr lang="en-US" smtClean="0"/>
-              <a:t>10/19/2025</a:t>
+              <a:t>10/20/2025</a:t>
             </a:fld>
             <a:endParaRPr lang="en-US"/>
           </a:p>
@@ -5450,7 +5451,7 @@
             <a:fld id="{1D8BD707-D9CF-40AE-B4C6-C98DA3205C09}" type="datetimeFigureOut">
               <a:rPr lang="en-US" smtClean="0"/>
               <a:pPr/>
-              <a:t>10/19/2025</a:t>
+              <a:t>10/20/2025</a:t>
             </a:fld>
             <a:endParaRPr lang="en-US" dirty="0"/>
           </a:p>
@@ -5863,7 +5864,7 @@
           <a:p>
             <a:r>
               <a:rPr lang="en-US" dirty="0"/>
-              <a:t>&lt;Presenter’s Name&gt;</a:t>
+              <a:t>Steve Smyth</a:t>
             </a:r>
             <a:br>
               <a:rPr lang="en-US" dirty="0"/>
@@ -6070,7 +6071,7 @@
           <a:p>
             <a:r>
               <a:rPr lang="en-US" sz="6900" dirty="0"/>
-              <a:t>Summit Notes</a:t>
+              <a:t>Some Context</a:t>
             </a:r>
           </a:p>
         </p:txBody>
@@ -6088,7 +6089,7 @@
           <p:nvPr>
             <p:extLst>
               <p:ext uri="{D42A27DB-BD31-4B8C-83A1-F6EECF244321}">
-                <p14:modId xmlns:p14="http://schemas.microsoft.com/office/powerpoint/2010/main" val="1455388111"/>
+                <p14:modId xmlns:p14="http://schemas.microsoft.com/office/powerpoint/2010/main" val="366517462"/>
               </p:ext>
             </p:extLst>
           </p:nvPr>
@@ -6168,7 +6169,65 @@
             <a:pPr marL="0" indent="0">
               <a:buNone/>
             </a:pPr>
+            <a:r>
+              <a:rPr lang="en-US" dirty="0" err="1"/>
+              <a:t>GeoPose</a:t>
+            </a:r>
+            <a:r>
+              <a:rPr lang="en-US" dirty="0"/>
+              <a:t> arrived at OGC in 2021 with some design principles beyond simple computation-friendly representation:</a:t>
+            </a:r>
+          </a:p>
+          <a:p>
+            <a:pPr marL="0" indent="0">
+              <a:buNone/>
+            </a:pPr>
             <a:endParaRPr lang="en-US" dirty="0"/>
+          </a:p>
+          <a:p>
+            <a:pPr marL="514350" indent="-514350">
+              <a:buAutoNum type="arabicPeriod"/>
+            </a:pPr>
+            <a:r>
+              <a:rPr lang="en-US" dirty="0"/>
+              <a:t>The ability to attach to an Earth coordinate system compatible with mass market positioning and orientation sensors.</a:t>
+            </a:r>
+          </a:p>
+          <a:p>
+            <a:pPr marL="514350" indent="-514350">
+              <a:buAutoNum type="arabicPeriod"/>
+            </a:pPr>
+            <a:r>
+              <a:rPr lang="en-US" dirty="0"/>
+              <a:t>The ability to support local idiomatic approaches to defining a coordinate system tied to some maintaining organization and expressed in a formal but perhaps domain-specific manner. Much inspiration came from the NASA Spice system.</a:t>
+            </a:r>
+          </a:p>
+          <a:p>
+            <a:pPr marL="514350" indent="-514350">
+              <a:buAutoNum type="arabicPeriod"/>
+            </a:pPr>
+            <a:r>
+              <a:rPr lang="en-US" dirty="0"/>
+              <a:t>The desirability to have some expression in the serialized form that humans could read and interpret with their own brains.</a:t>
+            </a:r>
+          </a:p>
+          <a:p>
+            <a:pPr marL="514350" indent="-514350">
+              <a:buAutoNum type="arabicPeriod"/>
+            </a:pPr>
+            <a:r>
+              <a:rPr lang="en-US" dirty="0"/>
+              <a:t>A key use case was the integration of content from multiple sources in an application’s single reference frame. Some sources might be sensed elements of the physical world and others might be virtual, positioned with respect to the physical world. In short, Augmented Reality.</a:t>
+            </a:r>
+          </a:p>
+          <a:p>
+            <a:pPr marL="514350" indent="-514350">
+              <a:buAutoNum type="arabicPeriod"/>
+            </a:pPr>
+            <a:r>
+              <a:rPr lang="en-US" dirty="0"/>
+              <a:t>It’s a simple idea that gains value in enabling the interoperation of complex parts. </a:t>
+            </a:r>
           </a:p>
         </p:txBody>
       </p:sp>
@@ -6195,89 +6254,7 @@
           <a:p>
             <a:r>
               <a:rPr lang="en-US" dirty="0"/>
-              <a:t>&lt;Presentation&gt;</a:t>
-            </a:r>
-          </a:p>
-        </p:txBody>
-      </p:sp>
-      <p:sp>
-        <p:nvSpPr>
-          <p:cNvPr id="5" name="TextBox 4">
-            <a:extLst>
-              <a:ext uri="{FF2B5EF4-FFF2-40B4-BE49-F238E27FC236}">
-                <a16:creationId xmlns:a16="http://schemas.microsoft.com/office/drawing/2014/main" id="{E240C5CA-4CAA-D784-1B85-3DC2E70EAF75}"/>
-              </a:ext>
-            </a:extLst>
-          </p:cNvPr>
-          <p:cNvSpPr txBox="1"/>
-          <p:nvPr/>
-        </p:nvSpPr>
-        <p:spPr>
-          <a:xfrm>
-            <a:off x="4572000" y="3608338"/>
-            <a:ext cx="9144000" cy="2308324"/>
-          </a:xfrm>
-          <a:prstGeom prst="rect">
-            <a:avLst/>
-          </a:prstGeom>
-          <a:noFill/>
-        </p:spPr>
-        <p:txBody>
-          <a:bodyPr wrap="square">
-            <a:spAutoFit/>
-          </a:bodyPr>
-          <a:lstStyle/>
-          <a:p>
-            <a:r>
-              <a:rPr lang="en-US" dirty="0"/>
-              <a:t>Description: The OGC </a:t>
-            </a:r>
-            <a:r>
-              <a:rPr lang="en-US" dirty="0" err="1"/>
-              <a:t>GeoPose</a:t>
-            </a:r>
-            <a:r>
-              <a:rPr lang="en-US" dirty="0"/>
-              <a:t> standard makes it easy to represent </a:t>
-            </a:r>
-            <a:r>
-              <a:rPr lang="en-US" dirty="0" err="1"/>
-              <a:t>geoanchored</a:t>
-            </a:r>
-            <a:r>
-              <a:rPr lang="en-US" dirty="0"/>
-              <a:t>-location and orientation information, such as to describe a point-of-view, in a way that’s intuitive and developer-friendly. At this Summit, you’ll explore the many use cases for </a:t>
-            </a:r>
-            <a:r>
-              <a:rPr lang="en-US" dirty="0" err="1"/>
-              <a:t>GeoPose</a:t>
-            </a:r>
-            <a:r>
-              <a:rPr lang="en-US" dirty="0"/>
-              <a:t>, how </a:t>
-            </a:r>
-            <a:r>
-              <a:rPr lang="en-US" dirty="0" err="1"/>
-              <a:t>GeoPose</a:t>
-            </a:r>
-            <a:r>
-              <a:rPr lang="en-US" dirty="0"/>
-              <a:t> works, where the standard is evolving, and how you can harness it to build powerful, interoperable spatial applications.</a:t>
-            </a:r>
-          </a:p>
-          <a:p>
-            <a:r>
-              <a:rPr lang="en-US" dirty="0"/>
-              <a:t>Speakers: Steve Smyth, Open Site Plan; Christine Perey, PEREY Research &amp; Consulting</a:t>
-            </a:r>
-          </a:p>
-          <a:p>
-            <a:endParaRPr lang="en-US" dirty="0"/>
-          </a:p>
-          <a:p>
-            <a:r>
-              <a:rPr lang="en-US" dirty="0"/>
-              <a:t>Intro slides 4</a:t>
+              <a:t>Before We Start</a:t>
             </a:r>
           </a:p>
         </p:txBody>
@@ -6303,7 +6280,7 @@
         <p:cNvPr id="1" name="">
           <a:extLst>
             <a:ext uri="{FF2B5EF4-FFF2-40B4-BE49-F238E27FC236}">
-              <a16:creationId xmlns:a16="http://schemas.microsoft.com/office/drawing/2014/main" id="{952B1FA5-0525-3B6E-FF46-02F9151C9182}"/>
+              <a16:creationId xmlns:a16="http://schemas.microsoft.com/office/drawing/2014/main" id="{329A75B5-95D3-DD0B-C107-91C02A7D2063}"/>
             </a:ext>
           </a:extLst>
         </p:cNvPr>
@@ -6323,7 +6300,7 @@
           <p:cNvPr id="2" name="Text Placeholder 1">
             <a:extLst>
               <a:ext uri="{FF2B5EF4-FFF2-40B4-BE49-F238E27FC236}">
-                <a16:creationId xmlns:a16="http://schemas.microsoft.com/office/drawing/2014/main" id="{246D624D-3EE8-FD39-9B1C-8227DCE93BCE}"/>
+                <a16:creationId xmlns:a16="http://schemas.microsoft.com/office/drawing/2014/main" id="{A5CE8371-1BF3-64EB-8FA8-AE22EA3D0B38}"/>
               </a:ext>
             </a:extLst>
           </p:cNvPr>
@@ -6347,6 +6324,23 @@
             <a:pPr marL="0" indent="0">
               <a:buNone/>
             </a:pPr>
+            <a:r>
+              <a:rPr lang="en-US" dirty="0"/>
+              <a:t>OGC </a:t>
+            </a:r>
+            <a:r>
+              <a:rPr lang="en-US" dirty="0" err="1"/>
+              <a:t>GeoPose</a:t>
+            </a:r>
+            <a:r>
+              <a:rPr lang="en-US" dirty="0"/>
+              <a:t> 1.0.</a:t>
+            </a:r>
+          </a:p>
+          <a:p>
+            <a:pPr marL="0" indent="0">
+              <a:buNone/>
+            </a:pPr>
             <a:endParaRPr lang="en-US" dirty="0"/>
           </a:p>
         </p:txBody>
@@ -6356,7 +6350,7 @@
           <p:cNvPr id="3" name="Title 2">
             <a:extLst>
               <a:ext uri="{FF2B5EF4-FFF2-40B4-BE49-F238E27FC236}">
-                <a16:creationId xmlns:a16="http://schemas.microsoft.com/office/drawing/2014/main" id="{4B721ADB-FA6A-57C6-CDFC-459611A24CFB}"/>
+                <a16:creationId xmlns:a16="http://schemas.microsoft.com/office/drawing/2014/main" id="{E3FF763D-3AFC-C43C-DCF3-0ECFD49300D9}"/>
               </a:ext>
             </a:extLst>
           </p:cNvPr>
@@ -6374,23 +6368,62 @@
           <a:p>
             <a:r>
               <a:rPr lang="en-US" dirty="0"/>
-              <a:t>&lt;Presentation </a:t>
-            </a:r>
-            <a:r>
-              <a:rPr lang="en-US" dirty="0" err="1"/>
-              <a:t>Wrapup</a:t>
-            </a:r>
-            <a:r>
-              <a:rPr lang="en-US" dirty="0"/>
-              <a:t>&gt;</a:t>
+              <a:t>Where We Are</a:t>
             </a:r>
           </a:p>
         </p:txBody>
       </p:sp>
+      <p:pic>
+        <p:nvPicPr>
+          <p:cNvPr id="1026" name="Picture 2">
+            <a:extLst>
+              <a:ext uri="{FF2B5EF4-FFF2-40B4-BE49-F238E27FC236}">
+                <a16:creationId xmlns:a16="http://schemas.microsoft.com/office/drawing/2014/main" id="{B710DB61-0C5F-52AA-F751-7726921BADFB}"/>
+              </a:ext>
+            </a:extLst>
+          </p:cNvPr>
+          <p:cNvPicPr>
+            <a:picLocks noChangeAspect="1" noChangeArrowheads="1"/>
+          </p:cNvPicPr>
+          <p:nvPr/>
+        </p:nvPicPr>
+        <p:blipFill>
+          <a:blip r:embed="rId2">
+            <a:extLst>
+              <a:ext uri="{28A0092B-C50C-407E-A947-70E740481C1C}">
+                <a14:useLocalDpi xmlns:a14="http://schemas.microsoft.com/office/drawing/2010/main" val="0"/>
+              </a:ext>
+            </a:extLst>
+          </a:blip>
+          <a:srcRect/>
+          <a:stretch>
+            <a:fillRect/>
+          </a:stretch>
+        </p:blipFill>
+        <p:spPr bwMode="auto">
+          <a:xfrm>
+            <a:off x="863080" y="2697541"/>
+            <a:ext cx="14173200" cy="6496628"/>
+          </a:xfrm>
+          <a:prstGeom prst="rect">
+            <a:avLst/>
+          </a:prstGeom>
+          <a:noFill/>
+          <a:extLst>
+            <a:ext uri="{909E8E84-426E-40DD-AFC4-6F175D3DCCD1}">
+              <a14:hiddenFill xmlns:a14="http://schemas.microsoft.com/office/drawing/2010/main">
+                <a:solidFill>
+                  <a:srgbClr val="FFFFFF"/>
+                </a:solidFill>
+              </a14:hiddenFill>
+            </a:ext>
+          </a:extLst>
+        </p:spPr>
+      </p:pic>
     </p:spTree>
     <p:extLst>
       <p:ext uri="{BB962C8B-B14F-4D97-AF65-F5344CB8AC3E}">
-        <p14:creationId xmlns:p14="http://schemas.microsoft.com/office/powerpoint/2010/main" val="4166484343"/>
+        <p14:creationId xmlns:p14="http://schemas.microsoft.com/office/powerpoint/2010/main" val="3220125859"/>
       </p:ext>
     </p:extLst>
   </p:cSld>
@@ -6408,7 +6441,7 @@
         <p:cNvPr id="1" name="">
           <a:extLst>
             <a:ext uri="{FF2B5EF4-FFF2-40B4-BE49-F238E27FC236}">
-              <a16:creationId xmlns:a16="http://schemas.microsoft.com/office/drawing/2014/main" id="{30C1D94C-0EBC-3C1C-496A-141DC7339C15}"/>
+              <a16:creationId xmlns:a16="http://schemas.microsoft.com/office/drawing/2014/main" id="{23051CE8-BE27-42AC-72DA-5CBFFEE31591}"/>
             </a:ext>
           </a:extLst>
         </p:cNvPr>
@@ -6428,7 +6461,7 @@
           <p:cNvPr id="2" name="Text Placeholder 1">
             <a:extLst>
               <a:ext uri="{FF2B5EF4-FFF2-40B4-BE49-F238E27FC236}">
-                <a16:creationId xmlns:a16="http://schemas.microsoft.com/office/drawing/2014/main" id="{C2EE1C65-1072-BAE4-D948-23E436144DA7}"/>
+                <a16:creationId xmlns:a16="http://schemas.microsoft.com/office/drawing/2014/main" id="{41F8D823-DCB7-9AFD-B785-439128319CAE}"/>
               </a:ext>
             </a:extLst>
           </p:cNvPr>
@@ -6452,7 +6485,10 @@
             <a:pPr marL="0" indent="0">
               <a:buNone/>
             </a:pPr>
-            <a:endParaRPr lang="en-US" dirty="0"/>
+            <a:r>
+              <a:rPr lang="en-US" dirty="0"/>
+              <a:t> </a:t>
+            </a:r>
           </a:p>
         </p:txBody>
       </p:sp>
@@ -6461,7 +6497,7 @@
           <p:cNvPr id="3" name="Title 2">
             <a:extLst>
               <a:ext uri="{FF2B5EF4-FFF2-40B4-BE49-F238E27FC236}">
-                <a16:creationId xmlns:a16="http://schemas.microsoft.com/office/drawing/2014/main" id="{5046611A-088E-953B-0399-5AD59D0FDBF4}"/>
+                <a16:creationId xmlns:a16="http://schemas.microsoft.com/office/drawing/2014/main" id="{B4F910D2-FAF1-B810-BC98-41EFF21F2868}"/>
               </a:ext>
             </a:extLst>
           </p:cNvPr>
@@ -6479,15 +6515,128 @@
           <a:p>
             <a:r>
               <a:rPr lang="en-US" dirty="0"/>
-              <a:t>&lt;Questions&gt;</a:t>
+              <a:t>What Comes Next</a:t>
             </a:r>
           </a:p>
         </p:txBody>
       </p:sp>
+      <p:sp>
+        <p:nvSpPr>
+          <p:cNvPr id="4" name="TextBox 3">
+            <a:extLst>
+              <a:ext uri="{FF2B5EF4-FFF2-40B4-BE49-F238E27FC236}">
+                <a16:creationId xmlns:a16="http://schemas.microsoft.com/office/drawing/2014/main" id="{89B0896C-100F-FB94-0568-9D2768973355}"/>
+              </a:ext>
+            </a:extLst>
+          </p:cNvPr>
+          <p:cNvSpPr txBox="1"/>
+          <p:nvPr/>
+        </p:nvSpPr>
+        <p:spPr>
+          <a:xfrm>
+            <a:off x="1600200" y="2019300"/>
+            <a:ext cx="13792200" cy="3046988"/>
+          </a:xfrm>
+          <a:prstGeom prst="rect">
+            <a:avLst/>
+          </a:prstGeom>
+          <a:noFill/>
+        </p:spPr>
+        <p:txBody>
+          <a:bodyPr wrap="square" rtlCol="0">
+            <a:spAutoFit/>
+          </a:bodyPr>
+          <a:lstStyle/>
+          <a:p>
+            <a:r>
+              <a:rPr lang="en-US" sz="3200" dirty="0" err="1"/>
+              <a:t>GeoPose</a:t>
+            </a:r>
+            <a:r>
+              <a:rPr lang="en-US" sz="3200" dirty="0"/>
+              <a:t> 1.x addresses:</a:t>
+            </a:r>
+          </a:p>
+          <a:p>
+            <a:pPr marL="457200" indent="-457200">
+              <a:buFont typeface="Arial" panose="020B0604020202020204" pitchFamily="34" charset="0"/>
+              <a:buChar char="•"/>
+            </a:pPr>
+            <a:r>
+              <a:rPr lang="en-US" sz="3200" dirty="0"/>
+              <a:t>Things we learned in OGC Testbeds 19 and 20.</a:t>
+            </a:r>
+          </a:p>
+          <a:p>
+            <a:pPr marL="457200" indent="-457200">
+              <a:buFont typeface="Arial" panose="020B0604020202020204" pitchFamily="34" charset="0"/>
+              <a:buChar char="•"/>
+            </a:pPr>
+            <a:r>
+              <a:rPr lang="en-US" sz="3200" dirty="0"/>
+              <a:t>Feedback from developers and other SDOs.</a:t>
+            </a:r>
+          </a:p>
+          <a:p>
+            <a:pPr marL="457200" indent="-457200">
+              <a:buFont typeface="Arial" panose="020B0604020202020204" pitchFamily="34" charset="0"/>
+              <a:buChar char="•"/>
+            </a:pPr>
+            <a:r>
+              <a:rPr lang="en-US" sz="3200" dirty="0"/>
+              <a:t>Adding back in some things that were out of scope in v 1.0.</a:t>
+            </a:r>
+          </a:p>
+          <a:p>
+            <a:pPr marL="457200" indent="-457200">
+              <a:buFont typeface="Arial" panose="020B0604020202020204" pitchFamily="34" charset="0"/>
+              <a:buChar char="•"/>
+            </a:pPr>
+            <a:r>
+              <a:rPr lang="en-US" sz="3200" dirty="0"/>
+              <a:t>Adding support for visual positioning, and more broadly, machine visual perception – imaging sensor to 3D content creation</a:t>
+            </a:r>
+            <a:r>
+              <a:rPr lang="en-US" sz="2800" dirty="0"/>
+              <a:t>.</a:t>
+            </a:r>
+          </a:p>
+        </p:txBody>
+      </p:sp>
+      <p:pic>
+        <p:nvPicPr>
+          <p:cNvPr id="9" name="Picture 8">
+            <a:extLst>
+              <a:ext uri="{FF2B5EF4-FFF2-40B4-BE49-F238E27FC236}">
+                <a16:creationId xmlns:a16="http://schemas.microsoft.com/office/drawing/2014/main" id="{7DAB99F5-8159-3B9B-629C-F3470D452C93}"/>
+              </a:ext>
+            </a:extLst>
+          </p:cNvPr>
+          <p:cNvPicPr>
+            <a:picLocks noChangeAspect="1"/>
+          </p:cNvPicPr>
+          <p:nvPr/>
+        </p:nvPicPr>
+        <p:blipFill>
+          <a:blip r:embed="rId2"/>
+          <a:stretch>
+            <a:fillRect/>
+          </a:stretch>
+        </p:blipFill>
+        <p:spPr>
+          <a:xfrm>
+            <a:off x="3733300" y="5218689"/>
+            <a:ext cx="6242932" cy="4954012"/>
+          </a:xfrm>
+          <a:prstGeom prst="rect">
+            <a:avLst/>
+          </a:prstGeom>
+        </p:spPr>
+      </p:pic>
     </p:spTree>
     <p:extLst>
       <p:ext uri="{BB962C8B-B14F-4D97-AF65-F5344CB8AC3E}">
-        <p14:creationId xmlns:p14="http://schemas.microsoft.com/office/powerpoint/2010/main" val="3367227334"/>
+        <p14:creationId xmlns:p14="http://schemas.microsoft.com/office/powerpoint/2010/main" val="3901416660"/>
       </p:ext>
     </p:extLst>
   </p:cSld>
@@ -6498,6 +6647,169 @@
 </file>
 
 <file path=ppt/slides/slide6.xml><?xml version="1.0" encoding="utf-8"?>
+<p:sld xmlns:a="http://schemas.openxmlformats.org/drawingml/2006/main" xmlns:r="http://schemas.openxmlformats.org/officeDocument/2006/relationships" xmlns:p="http://schemas.openxmlformats.org/presentationml/2006/main">
+  <p:cSld>
+    <p:spTree>
+      <p:nvGrpSpPr>
+        <p:cNvPr id="1" name="">
+          <a:extLst>
+            <a:ext uri="{FF2B5EF4-FFF2-40B4-BE49-F238E27FC236}">
+              <a16:creationId xmlns:a16="http://schemas.microsoft.com/office/drawing/2014/main" id="{2A2A4B77-BEEC-6233-CB58-4A26462617A5}"/>
+            </a:ext>
+          </a:extLst>
+        </p:cNvPr>
+        <p:cNvGrpSpPr/>
+        <p:nvPr/>
+      </p:nvGrpSpPr>
+      <p:grpSpPr>
+        <a:xfrm>
+          <a:off x="0" y="0"/>
+          <a:ext cx="0" cy="0"/>
+          <a:chOff x="0" y="0"/>
+          <a:chExt cx="0" cy="0"/>
+        </a:xfrm>
+      </p:grpSpPr>
+      <p:sp>
+        <p:nvSpPr>
+          <p:cNvPr id="2" name="Text Placeholder 1">
+            <a:extLst>
+              <a:ext uri="{FF2B5EF4-FFF2-40B4-BE49-F238E27FC236}">
+                <a16:creationId xmlns:a16="http://schemas.microsoft.com/office/drawing/2014/main" id="{532FA163-59B7-0DBB-357A-27ECC3CD0680}"/>
+              </a:ext>
+            </a:extLst>
+          </p:cNvPr>
+          <p:cNvSpPr>
+            <a:spLocks noGrp="1"/>
+          </p:cNvSpPr>
+          <p:nvPr>
+            <p:ph type="body" idx="16"/>
+          </p:nvPr>
+        </p:nvSpPr>
+        <p:spPr>
+          <a:xfrm>
+            <a:off x="838200" y="1866900"/>
+            <a:ext cx="16598236" cy="7309047"/>
+          </a:xfrm>
+        </p:spPr>
+        <p:txBody>
+          <a:bodyPr/>
+          <a:lstStyle/>
+          <a:p>
+            <a:pPr marL="514350" indent="-514350">
+              <a:buFont typeface="+mj-lt"/>
+              <a:buAutoNum type="arabicPeriod"/>
+            </a:pPr>
+            <a:r>
+              <a:rPr lang="en-US" dirty="0" err="1"/>
+              <a:t>GeoPose</a:t>
+            </a:r>
+            <a:r>
+              <a:rPr lang="en-US" dirty="0"/>
+              <a:t> is a standard way to reference elements of content in an interoperable spatial context.</a:t>
+            </a:r>
+          </a:p>
+          <a:p>
+            <a:pPr marL="514350" indent="-514350">
+              <a:buFont typeface="+mj-lt"/>
+              <a:buAutoNum type="arabicPeriod"/>
+            </a:pPr>
+            <a:r>
+              <a:rPr lang="en-US" dirty="0"/>
+              <a:t>It aligns with human visual perception </a:t>
+            </a:r>
+            <a:r>
+              <a:rPr lang="en-US" u="sng" dirty="0"/>
+              <a:t>and</a:t>
+            </a:r>
+            <a:r>
+              <a:rPr lang="en-US" dirty="0"/>
+              <a:t> the concept of a georeferenced pose from computer graphics.</a:t>
+            </a:r>
+          </a:p>
+          <a:p>
+            <a:pPr marL="514350" indent="-514350">
+              <a:buFont typeface="+mj-lt"/>
+              <a:buAutoNum type="arabicPeriod"/>
+            </a:pPr>
+            <a:r>
+              <a:rPr lang="en-US" dirty="0"/>
+              <a:t>The data model has a solid theoretical basis as a frame transformation paired with an orienting rotation. These two elements may be modelled in many compatible domain-specific ways.</a:t>
+            </a:r>
+          </a:p>
+        </p:txBody>
+      </p:sp>
+      <p:sp>
+        <p:nvSpPr>
+          <p:cNvPr id="3" name="Title 2">
+            <a:extLst>
+              <a:ext uri="{FF2B5EF4-FFF2-40B4-BE49-F238E27FC236}">
+                <a16:creationId xmlns:a16="http://schemas.microsoft.com/office/drawing/2014/main" id="{B8E667B3-BB3F-2574-1BCB-89835D4BD40A}"/>
+              </a:ext>
+            </a:extLst>
+          </p:cNvPr>
+          <p:cNvSpPr>
+            <a:spLocks noGrp="1"/>
+          </p:cNvSpPr>
+          <p:nvPr>
+            <p:ph type="title"/>
+          </p:nvPr>
+        </p:nvSpPr>
+        <p:spPr/>
+        <p:txBody>
+          <a:bodyPr/>
+          <a:lstStyle/>
+          <a:p>
+            <a:r>
+              <a:rPr lang="en-US" dirty="0"/>
+              <a:t>Three Things to Remember:</a:t>
+            </a:r>
+          </a:p>
+        </p:txBody>
+      </p:sp>
+      <p:pic>
+        <p:nvPicPr>
+          <p:cNvPr id="6" name="Picture 5">
+            <a:extLst>
+              <a:ext uri="{FF2B5EF4-FFF2-40B4-BE49-F238E27FC236}">
+                <a16:creationId xmlns:a16="http://schemas.microsoft.com/office/drawing/2014/main" id="{16D1895E-9EBC-D2E2-CDA3-417DA1AC911C}"/>
+              </a:ext>
+            </a:extLst>
+          </p:cNvPr>
+          <p:cNvPicPr>
+            <a:picLocks noChangeAspect="1"/>
+          </p:cNvPicPr>
+          <p:nvPr/>
+        </p:nvPicPr>
+        <p:blipFill>
+          <a:blip r:embed="rId2"/>
+          <a:stretch>
+            <a:fillRect/>
+          </a:stretch>
+        </p:blipFill>
+        <p:spPr>
+          <a:xfrm>
+            <a:off x="1006473" y="5138530"/>
+            <a:ext cx="14935657" cy="4195970"/>
+          </a:xfrm>
+          <a:prstGeom prst="rect">
+            <a:avLst/>
+          </a:prstGeom>
+        </p:spPr>
+      </p:pic>
+    </p:spTree>
+    <p:extLst>
+      <p:ext uri="{BB962C8B-B14F-4D97-AF65-F5344CB8AC3E}">
+        <p14:creationId xmlns:p14="http://schemas.microsoft.com/office/powerpoint/2010/main" val="836919235"/>
+      </p:ext>
+    </p:extLst>
+  </p:cSld>
+  <p:clrMapOvr>
+    <a:masterClrMapping/>
+  </p:clrMapOvr>
+</p:sld>
+</file>
+
+<file path=ppt/slides/slide7.xml><?xml version="1.0" encoding="utf-8"?>
 <p:sld xmlns:a="http://schemas.openxmlformats.org/drawingml/2006/main" xmlns:r="http://schemas.openxmlformats.org/officeDocument/2006/relationships" xmlns:p="http://schemas.openxmlformats.org/presentationml/2006/main">
   <p:cSld>
     <p:spTree>
@@ -7728,15 +8040,6 @@
 </file>
 
 <file path=customXml/item1.xml><?xml version="1.0" encoding="utf-8"?>
-<?mso-contentType ?>
-<FormTemplates xmlns="http://schemas.microsoft.com/sharepoint/v3/contenttype/forms">
-  <Display>DocumentLibraryForm</Display>
-  <Edit>DocumentLibraryForm</Edit>
-  <New>DocumentLibraryForm</New>
-</FormTemplates>
-</file>
-
-<file path=customXml/item2.xml><?xml version="1.0" encoding="utf-8"?>
 <ct:contentTypeSchema xmlns:ct="http://schemas.microsoft.com/office/2006/metadata/contentType" xmlns:ma="http://schemas.microsoft.com/office/2006/metadata/properties/metaAttributes" ct:_="" ma:_="" ma:contentTypeName="Document" ma:contentTypeID="0x01010043D6C5B1E4575B45A67252651D547745" ma:contentTypeVersion="5" ma:contentTypeDescription="Create a new document." ma:contentTypeScope="" ma:versionID="abcbbf97e778d2459eaf06a99253d27f">
   <xsd:schema xmlns:xsd="http://www.w3.org/2001/XMLSchema" xmlns:xs="http://www.w3.org/2001/XMLSchema" xmlns:p="http://schemas.microsoft.com/office/2006/metadata/properties" xmlns:ns3="c9d48118-3257-49e8-b197-f28d09ea93e0" targetNamespace="http://schemas.microsoft.com/office/2006/metadata/properties" ma:root="true" ma:fieldsID="4ab44e5032784fa9d2a4b9a076403eae" ns3:_="">
     <xsd:import namespace="c9d48118-3257-49e8-b197-f28d09ea93e0"/>
@@ -7888,6 +8191,15 @@
 </ct:contentTypeSchema>
 </file>
 
+<file path=customXml/item2.xml><?xml version="1.0" encoding="utf-8"?>
+<?mso-contentType ?>
+<FormTemplates xmlns="http://schemas.microsoft.com/sharepoint/v3/contenttype/forms">
+  <Display>DocumentLibraryForm</Display>
+  <Edit>DocumentLibraryForm</Edit>
+  <New>DocumentLibraryForm</New>
+</FormTemplates>
+</file>
+
 <file path=customXml/item3.xml><?xml version="1.0" encoding="utf-8"?>
 <p:properties xmlns:p="http://schemas.microsoft.com/office/2006/metadata/properties" xmlns:xsi="http://www.w3.org/2001/XMLSchema-instance" xmlns:pc="http://schemas.microsoft.com/office/infopath/2007/PartnerControls">
   <documentManagement/>
@@ -7895,14 +8207,6 @@
 </file>
 
 <file path=customXml/itemProps1.xml><?xml version="1.0" encoding="utf-8"?>
-<ds:datastoreItem xmlns:ds="http://schemas.openxmlformats.org/officeDocument/2006/customXml" ds:itemID="{A028D80A-D8F1-4E9F-96FE-EDED6B38411B}">
-  <ds:schemaRefs>
-    <ds:schemaRef ds:uri="http://schemas.microsoft.com/sharepoint/v3/contenttype/forms"/>
-  </ds:schemaRefs>
-</ds:datastoreItem>
-</file>
-
-<file path=customXml/itemProps2.xml><?xml version="1.0" encoding="utf-8"?>
 <ds:datastoreItem xmlns:ds="http://schemas.openxmlformats.org/officeDocument/2006/customXml" ds:itemID="{B1637B73-45C9-44F2-97E6-558EE7A2FC82}">
   <ds:schemaRefs>
     <ds:schemaRef ds:uri="http://schemas.microsoft.com/office/2006/metadata/contentType"/>
@@ -7916,6 +8220,14 @@
     <ds:schemaRef ds:uri="http://purl.org/dc/elements/1.1/"/>
     <ds:schemaRef ds:uri="http://purl.org/dc/terms/"/>
     <ds:schemaRef ds:uri="http://schemas.microsoft.com/internal/obd"/>
+  </ds:schemaRefs>
+</ds:datastoreItem>
+</file>
+
+<file path=customXml/itemProps2.xml><?xml version="1.0" encoding="utf-8"?>
+<ds:datastoreItem xmlns:ds="http://schemas.openxmlformats.org/officeDocument/2006/customXml" ds:itemID="{A028D80A-D8F1-4E9F-96FE-EDED6B38411B}">
+  <ds:schemaRefs>
+    <ds:schemaRef ds:uri="http://schemas.microsoft.com/sharepoint/v3/contenttype/forms"/>
   </ds:schemaRefs>
 </ds:datastoreItem>
 </file>
